--- a/Scope Fix/MooMarket_asolei_final.pptx
+++ b/Scope Fix/MooMarket_asolei_final.pptx
@@ -7056,7 +7056,7 @@
         <p:spPr>
           <a:xfrm>
             <a:off x="913795" y="1948070"/>
-            <a:ext cx="10353762" cy="3843130"/>
+            <a:ext cx="10353762" cy="839410"/>
           </a:xfrm>
         </p:spPr>
         <p:txBody>
@@ -7065,39 +7065,13 @@
           </a:bodyPr>
           <a:lstStyle/>
           <a:p>
-            <a:r>
-              <a:rPr lang="en-US" sz="3200" dirty="0"/>
+            <a:pPr>
+              <a:buFont typeface="Wingdings" panose="05000000000000000000" pitchFamily="2" charset="2"/>
+              <a:buChar char="q"/>
+            </a:pPr>
+            <a:r>
+              <a:rPr lang="en-US" sz="2800" dirty="0"/>
               <a:t>There will be three kinds of users.</a:t>
-            </a:r>
-          </a:p>
-          <a:p>
-            <a:pPr marL="1371600" lvl="2" indent="-457200">
-              <a:buFont typeface="+mj-lt"/>
-              <a:buAutoNum type="arabicPeriod"/>
-            </a:pPr>
-            <a:r>
-              <a:rPr lang="en-US" sz="2800" dirty="0"/>
-              <a:t>Admin</a:t>
-            </a:r>
-          </a:p>
-          <a:p>
-            <a:pPr marL="1371600" lvl="2" indent="-457200">
-              <a:buFont typeface="+mj-lt"/>
-              <a:buAutoNum type="arabicPeriod"/>
-            </a:pPr>
-            <a:r>
-              <a:rPr lang="en-US" sz="2800" dirty="0"/>
-              <a:t>Sellers</a:t>
-            </a:r>
-          </a:p>
-          <a:p>
-            <a:pPr marL="1371600" lvl="2" indent="-457200">
-              <a:buFont typeface="+mj-lt"/>
-              <a:buAutoNum type="arabicPeriod"/>
-            </a:pPr>
-            <a:r>
-              <a:rPr lang="en-US" sz="2800" dirty="0"/>
-              <a:t>Buyers</a:t>
             </a:r>
           </a:p>
         </p:txBody>
@@ -7129,6 +7103,225 @@
               <a:t>3</a:t>
             </a:fld>
             <a:endParaRPr lang="en-US" dirty="0"/>
+          </a:p>
+        </p:txBody>
+      </p:sp>
+      <p:pic>
+        <p:nvPicPr>
+          <p:cNvPr id="6" name="Picture 5">
+            <a:extLst>
+              <a:ext uri="{FF2B5EF4-FFF2-40B4-BE49-F238E27FC236}">
+                <a16:creationId xmlns:a16="http://schemas.microsoft.com/office/drawing/2014/main" id="{4C50A614-DD07-4B15-0530-6FE26B96EBBB}"/>
+              </a:ext>
+            </a:extLst>
+          </p:cNvPr>
+          <p:cNvPicPr>
+            <a:picLocks noChangeAspect="1"/>
+          </p:cNvPicPr>
+          <p:nvPr/>
+        </p:nvPicPr>
+        <p:blipFill>
+          <a:blip r:embed="rId2">
+            <a:duotone>
+              <a:prstClr val="black"/>
+              <a:schemeClr val="accent3">
+                <a:tint val="45000"/>
+                <a:satMod val="400000"/>
+              </a:schemeClr>
+            </a:duotone>
+          </a:blip>
+          <a:stretch>
+            <a:fillRect/>
+          </a:stretch>
+        </p:blipFill>
+        <p:spPr>
+          <a:xfrm>
+            <a:off x="8141303" y="3028468"/>
+            <a:ext cx="2643463" cy="2643463"/>
+          </a:xfrm>
+          <a:prstGeom prst="rect">
+            <a:avLst/>
+          </a:prstGeom>
+        </p:spPr>
+      </p:pic>
+      <p:pic>
+        <p:nvPicPr>
+          <p:cNvPr id="7" name="Picture 6">
+            <a:extLst>
+              <a:ext uri="{FF2B5EF4-FFF2-40B4-BE49-F238E27FC236}">
+                <a16:creationId xmlns:a16="http://schemas.microsoft.com/office/drawing/2014/main" id="{F1C3C8DA-2D71-F4C0-7171-E8BABAFEB9B2}"/>
+              </a:ext>
+            </a:extLst>
+          </p:cNvPr>
+          <p:cNvPicPr>
+            <a:picLocks noChangeAspect="1"/>
+          </p:cNvPicPr>
+          <p:nvPr/>
+        </p:nvPicPr>
+        <p:blipFill>
+          <a:blip r:embed="rId2">
+            <a:duotone>
+              <a:prstClr val="black"/>
+              <a:schemeClr val="accent3">
+                <a:tint val="45000"/>
+                <a:satMod val="400000"/>
+              </a:schemeClr>
+            </a:duotone>
+          </a:blip>
+          <a:stretch>
+            <a:fillRect/>
+          </a:stretch>
+        </p:blipFill>
+        <p:spPr>
+          <a:xfrm>
+            <a:off x="4768943" y="3028468"/>
+            <a:ext cx="2643463" cy="2643463"/>
+          </a:xfrm>
+          <a:prstGeom prst="rect">
+            <a:avLst/>
+          </a:prstGeom>
+        </p:spPr>
+      </p:pic>
+      <p:pic>
+        <p:nvPicPr>
+          <p:cNvPr id="8" name="Picture 7">
+            <a:extLst>
+              <a:ext uri="{FF2B5EF4-FFF2-40B4-BE49-F238E27FC236}">
+                <a16:creationId xmlns:a16="http://schemas.microsoft.com/office/drawing/2014/main" id="{410C8E82-6530-6617-9980-DFD28AB2CFB2}"/>
+              </a:ext>
+            </a:extLst>
+          </p:cNvPr>
+          <p:cNvPicPr>
+            <a:picLocks noChangeAspect="1"/>
+          </p:cNvPicPr>
+          <p:nvPr/>
+        </p:nvPicPr>
+        <p:blipFill>
+          <a:blip r:embed="rId2">
+            <a:duotone>
+              <a:prstClr val="black"/>
+              <a:schemeClr val="accent3">
+                <a:tint val="45000"/>
+                <a:satMod val="400000"/>
+              </a:schemeClr>
+            </a:duotone>
+          </a:blip>
+          <a:stretch>
+            <a:fillRect/>
+          </a:stretch>
+        </p:blipFill>
+        <p:spPr>
+          <a:xfrm>
+            <a:off x="1900193" y="3028467"/>
+            <a:ext cx="2643463" cy="2643463"/>
+          </a:xfrm>
+          <a:prstGeom prst="rect">
+            <a:avLst/>
+          </a:prstGeom>
+        </p:spPr>
+      </p:pic>
+      <p:sp>
+        <p:nvSpPr>
+          <p:cNvPr id="9" name="TextBox 8">
+            <a:extLst>
+              <a:ext uri="{FF2B5EF4-FFF2-40B4-BE49-F238E27FC236}">
+                <a16:creationId xmlns:a16="http://schemas.microsoft.com/office/drawing/2014/main" id="{0E4B463B-673B-674C-A26B-1D1F57D4A052}"/>
+              </a:ext>
+            </a:extLst>
+          </p:cNvPr>
+          <p:cNvSpPr txBox="1"/>
+          <p:nvPr/>
+        </p:nvSpPr>
+        <p:spPr>
+          <a:xfrm>
+            <a:off x="2454156" y="5882583"/>
+            <a:ext cx="2093843" cy="646331"/>
+          </a:xfrm>
+          <a:prstGeom prst="rect">
+            <a:avLst/>
+          </a:prstGeom>
+          <a:noFill/>
+        </p:spPr>
+        <p:txBody>
+          <a:bodyPr wrap="square" rtlCol="0">
+            <a:spAutoFit/>
+          </a:bodyPr>
+          <a:lstStyle/>
+          <a:p>
+            <a:r>
+              <a:rPr lang="en-US" sz="3600" dirty="0"/>
+              <a:t>Admin</a:t>
+            </a:r>
+          </a:p>
+        </p:txBody>
+      </p:sp>
+      <p:sp>
+        <p:nvSpPr>
+          <p:cNvPr id="10" name="TextBox 9">
+            <a:extLst>
+              <a:ext uri="{FF2B5EF4-FFF2-40B4-BE49-F238E27FC236}">
+                <a16:creationId xmlns:a16="http://schemas.microsoft.com/office/drawing/2014/main" id="{FF93C2FF-76F4-47DC-1E7A-AE475FD83CFB}"/>
+              </a:ext>
+            </a:extLst>
+          </p:cNvPr>
+          <p:cNvSpPr txBox="1"/>
+          <p:nvPr/>
+        </p:nvSpPr>
+        <p:spPr>
+          <a:xfrm>
+            <a:off x="5318563" y="5882585"/>
+            <a:ext cx="2093843" cy="646331"/>
+          </a:xfrm>
+          <a:prstGeom prst="rect">
+            <a:avLst/>
+          </a:prstGeom>
+          <a:noFill/>
+        </p:spPr>
+        <p:txBody>
+          <a:bodyPr wrap="square" rtlCol="0">
+            <a:spAutoFit/>
+          </a:bodyPr>
+          <a:lstStyle/>
+          <a:p>
+            <a:r>
+              <a:rPr lang="en-US" sz="3600" dirty="0"/>
+              <a:t>Sellers</a:t>
+            </a:r>
+          </a:p>
+        </p:txBody>
+      </p:sp>
+      <p:sp>
+        <p:nvSpPr>
+          <p:cNvPr id="11" name="TextBox 10">
+            <a:extLst>
+              <a:ext uri="{FF2B5EF4-FFF2-40B4-BE49-F238E27FC236}">
+                <a16:creationId xmlns:a16="http://schemas.microsoft.com/office/drawing/2014/main" id="{6176D907-AF25-BA8F-D058-7F1E39733C65}"/>
+              </a:ext>
+            </a:extLst>
+          </p:cNvPr>
+          <p:cNvSpPr txBox="1"/>
+          <p:nvPr/>
+        </p:nvSpPr>
+        <p:spPr>
+          <a:xfrm>
+            <a:off x="8690923" y="5882584"/>
+            <a:ext cx="2093843" cy="646331"/>
+          </a:xfrm>
+          <a:prstGeom prst="rect">
+            <a:avLst/>
+          </a:prstGeom>
+          <a:noFill/>
+        </p:spPr>
+        <p:txBody>
+          <a:bodyPr wrap="square" rtlCol="0">
+            <a:spAutoFit/>
+          </a:bodyPr>
+          <a:lstStyle/>
+          <a:p>
+            <a:r>
+              <a:rPr lang="en-US" sz="3600" dirty="0"/>
+              <a:t>Buyers</a:t>
+            </a:r>
           </a:p>
         </p:txBody>
       </p:sp>
@@ -7250,7 +7443,7 @@
             </a:pPr>
             <a:r>
               <a:rPr lang="en-US" sz="2400" dirty="0"/>
-              <a:t>Bargaining options for buyers</a:t>
+              <a:t>Order post from buyers</a:t>
             </a:r>
           </a:p>
           <a:p>
@@ -7348,12 +7541,12 @@
         </p:spPr>
         <p:txBody>
           <a:bodyPr>
-            <a:normAutofit/>
+            <a:noAutofit/>
           </a:bodyPr>
           <a:lstStyle/>
           <a:p>
             <a:r>
-              <a:rPr lang="en-US" sz="2000" dirty="0"/>
+              <a:rPr lang="en-US" sz="2800" dirty="0"/>
               <a:t>1. Advertisements by sellers</a:t>
             </a:r>
           </a:p>
@@ -7377,8 +7570,8 @@
         </p:nvSpPr>
         <p:spPr>
           <a:xfrm>
-            <a:off x="583096" y="2027582"/>
-            <a:ext cx="11198087" cy="4518991"/>
+            <a:off x="583096" y="1656522"/>
+            <a:ext cx="11198087" cy="4890051"/>
           </a:xfrm>
         </p:spPr>
         <p:txBody>
@@ -7774,7 +7967,7 @@
             </a:pPr>
             <a:r>
               <a:rPr lang="en-US" sz="2400" dirty="0"/>
-              <a:t>For meats, they can filter them with respect to weight, price</a:t>
+              <a:t>For meats, they can filter them with respect to weight, price, specific meat part</a:t>
             </a:r>
           </a:p>
           <a:p>
@@ -7872,12 +8065,14 @@
           </a:xfrm>
         </p:spPr>
         <p:txBody>
-          <a:bodyPr/>
+          <a:bodyPr>
+            <a:normAutofit/>
+          </a:bodyPr>
           <a:lstStyle/>
           <a:p>
             <a:r>
               <a:rPr lang="en-US" sz="3600" dirty="0"/>
-              <a:t>4. Bargaining options</a:t>
+              <a:t>4. Order post from buyers</a:t>
             </a:r>
             <a:endParaRPr lang="en-US" dirty="0"/>
           </a:p>
@@ -7957,7 +8152,7 @@
             </a:pPr>
             <a:r>
               <a:rPr lang="en-US" sz="2400" dirty="0"/>
-              <a:t>If a post provided by a buyer not accepted by any seller, then the buyer will be given a notification asking whether they want to modify the order or delete it.</a:t>
+              <a:t>If a post provided by a buyer is not accepted by any seller for some specific amount of time,  then the buyer will be given a notification asking whether they want to modify the order or delete it.</a:t>
             </a:r>
           </a:p>
         </p:txBody>
@@ -8732,6 +8927,24 @@
 </file>
 
 <file path=customXml/item1.xml><?xml version="1.0" encoding="utf-8"?>
+<p:properties xmlns:p="http://schemas.microsoft.com/office/2006/metadata/properties" xmlns:xsi="http://www.w3.org/2001/XMLSchema-instance" xmlns:pc="http://schemas.microsoft.com/office/infopath/2007/PartnerControls">
+  <documentManagement>
+    <Status xmlns="71af3243-3dd4-4a8d-8c0d-dd76da1f02a5">Not started</Status>
+    <MediaServiceKeyPoints xmlns="71af3243-3dd4-4a8d-8c0d-dd76da1f02a5" xsi:nil="true"/>
+  </documentManagement>
+</p:properties>
+</file>
+
+<file path=customXml/item2.xml><?xml version="1.0" encoding="utf-8"?>
+<?mso-contentType ?>
+<FormTemplates xmlns="http://schemas.microsoft.com/sharepoint/v3/contenttype/forms">
+  <Display>DocumentLibraryForm</Display>
+  <Edit>DocumentLibraryForm</Edit>
+  <New>DocumentLibraryForm</New>
+</FormTemplates>
+</file>
+
+<file path=customXml/item3.xml><?xml version="1.0" encoding="utf-8"?>
 <ct:contentTypeSchema xmlns:ct="http://schemas.microsoft.com/office/2006/metadata/contentType" xmlns:ma="http://schemas.microsoft.com/office/2006/metadata/properties/metaAttributes" ct:_="" ma:_="" ma:contentTypeName="Document" ma:contentTypeID="0x01010079F111ED35F8CC479449609E8A0923A6" ma:contentTypeVersion="12" ma:contentTypeDescription="Create a new document." ma:contentTypeScope="" ma:versionID="a410dd7f93c95333ffa1b60ed6adedd1">
   <xsd:schema xmlns:xsd="http://www.w3.org/2001/XMLSchema" xmlns:xs="http://www.w3.org/2001/XMLSchema" xmlns:p="http://schemas.microsoft.com/office/2006/metadata/properties" xmlns:ns2="71af3243-3dd4-4a8d-8c0d-dd76da1f02a5" xmlns:ns3="16c05727-aa75-4e4a-9b5f-8a80a1165891" targetNamespace="http://schemas.microsoft.com/office/2006/metadata/properties" ma:root="true" ma:fieldsID="a936d9baba76aa3866493feff160faab" ns2:_="" ns3:_="">
     <xsd:import namespace="71af3243-3dd4-4a8d-8c0d-dd76da1f02a5"/>
@@ -8952,25 +9165,25 @@
 </ct:contentTypeSchema>
 </file>
 
-<file path=customXml/item2.xml><?xml version="1.0" encoding="utf-8"?>
-<?mso-contentType ?>
-<FormTemplates xmlns="http://schemas.microsoft.com/sharepoint/v3/contenttype/forms">
-  <Display>DocumentLibraryForm</Display>
-  <Edit>DocumentLibraryForm</Edit>
-  <New>DocumentLibraryForm</New>
-</FormTemplates>
+<file path=customXml/itemProps1.xml><?xml version="1.0" encoding="utf-8"?>
+<ds:datastoreItem xmlns:ds="http://schemas.openxmlformats.org/officeDocument/2006/customXml" ds:itemID="{B975FBC4-9D33-46BE-911D-419763BA9AF9}">
+  <ds:schemaRefs>
+    <ds:schemaRef ds:uri="http://schemas.microsoft.com/office/2006/metadata/properties"/>
+    <ds:schemaRef ds:uri="http://schemas.microsoft.com/office/infopath/2007/PartnerControls"/>
+    <ds:schemaRef ds:uri="71af3243-3dd4-4a8d-8c0d-dd76da1f02a5"/>
+  </ds:schemaRefs>
+</ds:datastoreItem>
 </file>
 
-<file path=customXml/item3.xml><?xml version="1.0" encoding="utf-8"?>
-<p:properties xmlns:p="http://schemas.microsoft.com/office/2006/metadata/properties" xmlns:xsi="http://www.w3.org/2001/XMLSchema-instance" xmlns:pc="http://schemas.microsoft.com/office/infopath/2007/PartnerControls">
-  <documentManagement>
-    <Status xmlns="71af3243-3dd4-4a8d-8c0d-dd76da1f02a5">Not started</Status>
-    <MediaServiceKeyPoints xmlns="71af3243-3dd4-4a8d-8c0d-dd76da1f02a5" xsi:nil="true"/>
-  </documentManagement>
-</p:properties>
+<file path=customXml/itemProps2.xml><?xml version="1.0" encoding="utf-8"?>
+<ds:datastoreItem xmlns:ds="http://schemas.openxmlformats.org/officeDocument/2006/customXml" ds:itemID="{294F055B-D391-44D3-A87A-BCD07BD5A31C}">
+  <ds:schemaRefs>
+    <ds:schemaRef ds:uri="http://schemas.microsoft.com/sharepoint/v3/contenttype/forms"/>
+  </ds:schemaRefs>
+</ds:datastoreItem>
 </file>
 
-<file path=customXml/itemProps1.xml><?xml version="1.0" encoding="utf-8"?>
+<file path=customXml/itemProps3.xml><?xml version="1.0" encoding="utf-8"?>
 <ds:datastoreItem xmlns:ds="http://schemas.openxmlformats.org/officeDocument/2006/customXml" ds:itemID="{26DBD101-FC0A-4B21-82B0-57CAA7AEEC71}">
   <ds:schemaRefs>
     <ds:schemaRef ds:uri="http://schemas.microsoft.com/office/2006/metadata/contentType"/>
@@ -8987,22 +9200,4 @@
     <ds:schemaRef ds:uri="http://schemas.microsoft.com/internal/obd"/>
   </ds:schemaRefs>
 </ds:datastoreItem>
-</file>
-
-<file path=customXml/itemProps2.xml><?xml version="1.0" encoding="utf-8"?>
-<ds:datastoreItem xmlns:ds="http://schemas.openxmlformats.org/officeDocument/2006/customXml" ds:itemID="{294F055B-D391-44D3-A87A-BCD07BD5A31C}">
-  <ds:schemaRefs>
-    <ds:schemaRef ds:uri="http://schemas.microsoft.com/sharepoint/v3/contenttype/forms"/>
-  </ds:schemaRefs>
-</ds:datastoreItem>
-</file>
-
-<file path=customXml/itemProps3.xml><?xml version="1.0" encoding="utf-8"?>
-<ds:datastoreItem xmlns:ds="http://schemas.openxmlformats.org/officeDocument/2006/customXml" ds:itemID="{B975FBC4-9D33-46BE-911D-419763BA9AF9}">
-  <ds:schemaRefs>
-    <ds:schemaRef ds:uri="http://schemas.microsoft.com/office/2006/metadata/properties"/>
-    <ds:schemaRef ds:uri="http://schemas.microsoft.com/office/infopath/2007/PartnerControls"/>
-    <ds:schemaRef ds:uri="71af3243-3dd4-4a8d-8c0d-dd76da1f02a5"/>
-  </ds:schemaRefs>
-</ds:datastoreItem>
 </file>